--- a/documents/Final PPT - Naive Baes.pptx
+++ b/documents/Final PPT - Naive Baes.pptx
@@ -350,7 +350,7 @@
 
 <file path=ppt/commentAuthors.xml><?xml version="1.0" encoding="utf-8"?>
 <p:cmAuthorLst xmlns:a="http://schemas.openxmlformats.org/drawingml/2006/main" xmlns:r="http://schemas.openxmlformats.org/officeDocument/2006/relationships" xmlns:p="http://schemas.openxmlformats.org/presentationml/2006/main">
-  <p:cmAuthor id="1" name="Shubham PERIWAL" initials="SP" lastIdx="8" clrIdx="0">
+  <p:cmAuthor id="1" name="Shubham PERIWAL" initials="SP" lastIdx="9" clrIdx="0">
     <p:extLst>
       <p:ext uri="{19B8F6BF-5375-455C-9EA6-DF929625EA0E}">
         <p15:presenceInfo xmlns:p15="http://schemas.microsoft.com/office/powerpoint/2012/main" userId="Shubham PERIWAL" providerId="None"/>
@@ -377,15 +377,44 @@
 <file path=ppt/revisionInfo.xml><?xml version="1.0" encoding="utf-8"?>
 <p1510:revInfo xmlns:a="http://schemas.openxmlformats.org/drawingml/2006/main" xmlns:r="http://schemas.openxmlformats.org/officeDocument/2006/relationships" xmlns:p1510="http://schemas.microsoft.com/office/powerpoint/2015/10/main">
   <p1510:revLst>
-    <p1510:client id="{FC78EACF-7463-42A6-8BF0-C8D537BC7EF1}" v="91" dt="2019-03-18T05:04:27.697"/>
-    <p1510:client id="{036DCCD4-A6BC-4817-A17C-01F131A4646F}" v="5906" dt="2019-03-18T15:41:27.633"/>
-    <p1510:client id="{6B460AD5-A420-4BF8-B3C6-1653C3E45074}" v="158" dt="2019-03-18T07:20:31.023"/>
-    <p1510:client id="{23E9F88E-9695-4212-8682-B159C463F9AD}" v="3242" dt="2019-03-18T15:40:57.147"/>
-    <p1510:client id="{820DC43A-26DC-46C0-8327-639C3086B54C}" v="1851" dt="2019-03-18T08:16:37.380"/>
-    <p1510:client id="{FFC3E5E1-B79A-E357-C3AC-960C6F04BD16}" v="4" dt="2019-03-18T07:17:13.433"/>
-    <p1510:client id="{5D4F5E9D-1D12-16A7-D36C-9686656B7161}" v="2" dt="2019-03-18T08:02:07.450"/>
+    <p1510:client id="{129E4441-133E-48DD-8CAF-2C82790CC198}" v="1" dt="2019-03-26T02:45:31.355"/>
   </p1510:revLst>
 </p1510:revInfo>
+</file>
+
+<file path=ppt/changesInfos/changesInfo1.xml><?xml version="1.0" encoding="utf-8"?>
+<pc:chgInfo xmlns:a="http://schemas.openxmlformats.org/drawingml/2006/main" xmlns:r="http://schemas.openxmlformats.org/officeDocument/2006/relationships" xmlns:ac="http://schemas.microsoft.com/office/drawing/2013/main/command" xmlns:pc="http://schemas.microsoft.com/office/powerpoint/2013/main/command">
+  <pc:docChgLst>
+    <pc:chgData name="Shubham PERIWAL" userId="295a3ff1-dfc9-41fc-84a8-d88563b4e444" providerId="ADAL" clId="{129E4441-133E-48DD-8CAF-2C82790CC198}"/>
+    <pc:docChg chg="custSel modSld">
+      <pc:chgData name="Shubham PERIWAL" userId="295a3ff1-dfc9-41fc-84a8-d88563b4e444" providerId="ADAL" clId="{129E4441-133E-48DD-8CAF-2C82790CC198}" dt="2019-03-26T02:45:31.355" v="1"/>
+      <pc:docMkLst>
+        <pc:docMk/>
+      </pc:docMkLst>
+      <pc:sldChg chg="addCm modCm">
+        <pc:chgData name="Shubham PERIWAL" userId="295a3ff1-dfc9-41fc-84a8-d88563b4e444" providerId="ADAL" clId="{129E4441-133E-48DD-8CAF-2C82790CC198}" dt="2019-03-26T02:45:31.355" v="1"/>
+        <pc:sldMkLst>
+          <pc:docMk/>
+          <pc:sldMk cId="3053499014" sldId="277"/>
+        </pc:sldMkLst>
+      </pc:sldChg>
+    </pc:docChg>
+  </pc:docChgLst>
+</pc:chgInfo>
+</file>
+
+<file path=ppt/comments/comment1.xml><?xml version="1.0" encoding="utf-8"?>
+<p:cmLst xmlns:a="http://schemas.openxmlformats.org/drawingml/2006/main" xmlns:r="http://schemas.openxmlformats.org/officeDocument/2006/relationships" xmlns:p="http://schemas.openxmlformats.org/presentationml/2006/main">
+  <p:cm authorId="1" dt="2019-03-26T10:45:15.028" idx="9">
+    <p:pos x="1424" y="1152"/>
+    <p:text>Removing time so no point talking about scaling it</p:text>
+    <p:extLst>
+      <p:ext uri="{C676402C-5697-4E1C-873F-D02D1690AC5C}">
+        <p15:threadingInfo xmlns:p15="http://schemas.microsoft.com/office/powerpoint/2012/main" timeZoneBias="-480"/>
+      </p:ext>
+    </p:extLst>
+  </p:cm>
+</p:cmLst>
 </file>
 
 <file path=ppt/notesMasters/notesMaster1.xml><?xml version="1.0" encoding="utf-8"?>
@@ -5147,7 +5176,7 @@
           <a:p>
             <a:fld id="{98896983-7E91-4B45-9D88-275DABA3C663}" type="datetimeFigureOut">
               <a:rPr lang="en-SG" smtClean="0"/>
-              <a:t>21/3/2019</a:t>
+              <a:t>26/3/2019</a:t>
             </a:fld>
             <a:endParaRPr lang="en-SG"/>
           </a:p>
@@ -5347,7 +5376,7 @@
           <a:p>
             <a:fld id="{98896983-7E91-4B45-9D88-275DABA3C663}" type="datetimeFigureOut">
               <a:rPr lang="en-SG" smtClean="0"/>
-              <a:t>21/3/2019</a:t>
+              <a:t>26/3/2019</a:t>
             </a:fld>
             <a:endParaRPr lang="en-SG"/>
           </a:p>
@@ -5623,7 +5652,7 @@
           <a:p>
             <a:fld id="{98896983-7E91-4B45-9D88-275DABA3C663}" type="datetimeFigureOut">
               <a:rPr lang="en-SG" smtClean="0"/>
-              <a:t>21/3/2019</a:t>
+              <a:t>26/3/2019</a:t>
             </a:fld>
             <a:endParaRPr lang="en-SG"/>
           </a:p>
@@ -5891,7 +5920,7 @@
           <a:p>
             <a:fld id="{98896983-7E91-4B45-9D88-275DABA3C663}" type="datetimeFigureOut">
               <a:rPr lang="en-SG" smtClean="0"/>
-              <a:t>21/3/2019</a:t>
+              <a:t>26/3/2019</a:t>
             </a:fld>
             <a:endParaRPr lang="en-SG"/>
           </a:p>
@@ -6872,7 +6901,7 @@
           <a:p>
             <a:fld id="{98896983-7E91-4B45-9D88-275DABA3C663}" type="datetimeFigureOut">
               <a:rPr lang="en-SG" smtClean="0"/>
-              <a:t>21/3/2019</a:t>
+              <a:t>26/3/2019</a:t>
             </a:fld>
             <a:endParaRPr lang="en-SG"/>
           </a:p>
@@ -7014,7 +7043,7 @@
           <a:p>
             <a:fld id="{98896983-7E91-4B45-9D88-275DABA3C663}" type="datetimeFigureOut">
               <a:rPr lang="en-SG" smtClean="0"/>
-              <a:t>21/3/2019</a:t>
+              <a:t>26/3/2019</a:t>
             </a:fld>
             <a:endParaRPr lang="en-SG"/>
           </a:p>
@@ -7127,7 +7156,7 @@
           <a:p>
             <a:fld id="{98896983-7E91-4B45-9D88-275DABA3C663}" type="datetimeFigureOut">
               <a:rPr lang="en-SG" smtClean="0"/>
-              <a:t>21/3/2019</a:t>
+              <a:t>26/3/2019</a:t>
             </a:fld>
             <a:endParaRPr lang="en-SG"/>
           </a:p>
@@ -7440,7 +7469,7 @@
           <a:p>
             <a:fld id="{98896983-7E91-4B45-9D88-275DABA3C663}" type="datetimeFigureOut">
               <a:rPr lang="en-SG" smtClean="0"/>
-              <a:t>21/3/2019</a:t>
+              <a:t>26/3/2019</a:t>
             </a:fld>
             <a:endParaRPr lang="en-SG"/>
           </a:p>
@@ -7729,7 +7758,7 @@
           <a:p>
             <a:fld id="{98896983-7E91-4B45-9D88-275DABA3C663}" type="datetimeFigureOut">
               <a:rPr lang="en-SG" smtClean="0"/>
-              <a:t>21/3/2019</a:t>
+              <a:t>26/3/2019</a:t>
             </a:fld>
             <a:endParaRPr lang="en-SG"/>
           </a:p>
@@ -7929,7 +7958,7 @@
           <a:p>
             <a:fld id="{98896983-7E91-4B45-9D88-275DABA3C663}" type="datetimeFigureOut">
               <a:rPr lang="en-SG" smtClean="0"/>
-              <a:t>21/3/2019</a:t>
+              <a:t>26/3/2019</a:t>
             </a:fld>
             <a:endParaRPr lang="en-SG"/>
           </a:p>
@@ -8139,7 +8168,7 @@
           <a:p>
             <a:fld id="{98896983-7E91-4B45-9D88-275DABA3C663}" type="datetimeFigureOut">
               <a:rPr lang="en-SG" smtClean="0"/>
-              <a:t>21/3/2019</a:t>
+              <a:t>26/3/2019</a:t>
             </a:fld>
             <a:endParaRPr lang="en-SG"/>
           </a:p>
@@ -14369,7 +14398,7 @@
           <a:p>
             <a:fld id="{98896983-7E91-4B45-9D88-275DABA3C663}" type="datetimeFigureOut">
               <a:rPr lang="en-SG" smtClean="0"/>
-              <a:t>21/3/2019</a:t>
+              <a:t>26/3/2019</a:t>
             </a:fld>
             <a:endParaRPr lang="en-SG"/>
           </a:p>
@@ -44395,13 +44424,13 @@
               <a:buChar char="•"/>
             </a:pPr>
             <a:r>
-              <a:rPr lang="en-SG" sz="1200" b="1">
+              <a:rPr lang="en-SG" sz="1200" b="1" dirty="0">
                 <a:latin typeface="Century Gothic" panose="020B0502020202020204" pitchFamily="34" charset="0"/>
               </a:rPr>
               <a:t>Features </a:t>
             </a:r>
             <a:r>
-              <a:rPr lang="en-SG" sz="1200">
+              <a:rPr lang="en-SG" sz="1200" dirty="0">
                 <a:latin typeface="Century Gothic" panose="020B0502020202020204" pitchFamily="34" charset="0"/>
               </a:rPr>
               <a:t>columns are generally similar in values range (due to PCA transformation)</a:t>
@@ -44414,13 +44443,13 @@
               <a:buChar char="•"/>
             </a:pPr>
             <a:r>
-              <a:rPr lang="en-SG" sz="1200" b="1">
+              <a:rPr lang="en-SG" sz="1200" b="1" dirty="0">
                 <a:latin typeface="Century Gothic" panose="020B0502020202020204" pitchFamily="34" charset="0"/>
               </a:rPr>
               <a:t>Seconds since Reference Time &amp; Amount</a:t>
             </a:r>
             <a:r>
-              <a:rPr lang="en-SG" sz="1200">
+              <a:rPr lang="en-SG" sz="1200" dirty="0">
                 <a:latin typeface="Century Gothic" panose="020B0502020202020204" pitchFamily="34" charset="0"/>
               </a:rPr>
               <a:t> have different scale.  </a:t>
